--- a/Topico1_ArquiteturaDeSoftware/TP_U01_P3_OutrosPadroes.pptx
+++ b/Topico1_ArquiteturaDeSoftware/TP_U01_P3_OutrosPadroes.pptx
@@ -21,12 +21,12 @@
     <p:sldId id="345" r:id="rId12"/>
     <p:sldId id="346" r:id="rId13"/>
     <p:sldId id="347" r:id="rId14"/>
-    <p:sldId id="323" r:id="rId15"/>
-    <p:sldId id="324" r:id="rId16"/>
-    <p:sldId id="325" r:id="rId17"/>
-    <p:sldId id="329" r:id="rId18"/>
-    <p:sldId id="330" r:id="rId19"/>
-    <p:sldId id="331" r:id="rId20"/>
+    <p:sldId id="348" r:id="rId15"/>
+    <p:sldId id="349" r:id="rId16"/>
+    <p:sldId id="350" r:id="rId17"/>
+    <p:sldId id="323" r:id="rId18"/>
+    <p:sldId id="324" r:id="rId19"/>
+    <p:sldId id="325" r:id="rId20"/>
     <p:sldId id="332" r:id="rId21"/>
     <p:sldId id="333" r:id="rId22"/>
     <p:sldId id="334" r:id="rId23"/>
@@ -222,7 +222,7 @@
           <a:p>
             <a:fld id="{7C4A617D-83CB-4919-82AC-EDF6FBB5355F}" type="datetimeFigureOut">
               <a:rPr lang="pt-BR" smtClean="0"/>
-              <a:t>09/03/2018</a:t>
+              <a:t>14/03/2018</a:t>
             </a:fld>
             <a:endParaRPr lang="pt-BR"/>
           </a:p>
@@ -704,7 +704,7 @@
           <a:p>
             <a:fld id="{4F2C62AD-31D4-4417-853C-E77168BA2A0A}" type="datetimeFigureOut">
               <a:rPr lang="pt-BR" smtClean="0"/>
-              <a:t>09/03/2018</a:t>
+              <a:t>14/03/2018</a:t>
             </a:fld>
             <a:endParaRPr lang="pt-BR"/>
           </a:p>
@@ -874,7 +874,7 @@
           <a:p>
             <a:fld id="{4F2C62AD-31D4-4417-853C-E77168BA2A0A}" type="datetimeFigureOut">
               <a:rPr lang="pt-BR" smtClean="0"/>
-              <a:t>09/03/2018</a:t>
+              <a:t>14/03/2018</a:t>
             </a:fld>
             <a:endParaRPr lang="pt-BR"/>
           </a:p>
@@ -1054,7 +1054,7 @@
           <a:p>
             <a:fld id="{4F2C62AD-31D4-4417-853C-E77168BA2A0A}" type="datetimeFigureOut">
               <a:rPr lang="pt-BR" smtClean="0"/>
-              <a:t>09/03/2018</a:t>
+              <a:t>14/03/2018</a:t>
             </a:fld>
             <a:endParaRPr lang="pt-BR"/>
           </a:p>
@@ -1224,7 +1224,7 @@
           <a:p>
             <a:fld id="{4F2C62AD-31D4-4417-853C-E77168BA2A0A}" type="datetimeFigureOut">
               <a:rPr lang="pt-BR" smtClean="0"/>
-              <a:t>09/03/2018</a:t>
+              <a:t>14/03/2018</a:t>
             </a:fld>
             <a:endParaRPr lang="pt-BR"/>
           </a:p>
@@ -1470,7 +1470,7 @@
           <a:p>
             <a:fld id="{4F2C62AD-31D4-4417-853C-E77168BA2A0A}" type="datetimeFigureOut">
               <a:rPr lang="pt-BR" smtClean="0"/>
-              <a:t>09/03/2018</a:t>
+              <a:t>14/03/2018</a:t>
             </a:fld>
             <a:endParaRPr lang="pt-BR"/>
           </a:p>
@@ -1702,7 +1702,7 @@
           <a:p>
             <a:fld id="{4F2C62AD-31D4-4417-853C-E77168BA2A0A}" type="datetimeFigureOut">
               <a:rPr lang="pt-BR" smtClean="0"/>
-              <a:t>09/03/2018</a:t>
+              <a:t>14/03/2018</a:t>
             </a:fld>
             <a:endParaRPr lang="pt-BR"/>
           </a:p>
@@ -2069,7 +2069,7 @@
           <a:p>
             <a:fld id="{4F2C62AD-31D4-4417-853C-E77168BA2A0A}" type="datetimeFigureOut">
               <a:rPr lang="pt-BR" smtClean="0"/>
-              <a:t>09/03/2018</a:t>
+              <a:t>14/03/2018</a:t>
             </a:fld>
             <a:endParaRPr lang="pt-BR"/>
           </a:p>
@@ -2187,7 +2187,7 @@
           <a:p>
             <a:fld id="{4F2C62AD-31D4-4417-853C-E77168BA2A0A}" type="datetimeFigureOut">
               <a:rPr lang="pt-BR" smtClean="0"/>
-              <a:t>09/03/2018</a:t>
+              <a:t>14/03/2018</a:t>
             </a:fld>
             <a:endParaRPr lang="pt-BR"/>
           </a:p>
@@ -2282,7 +2282,7 @@
           <a:p>
             <a:fld id="{4F2C62AD-31D4-4417-853C-E77168BA2A0A}" type="datetimeFigureOut">
               <a:rPr lang="pt-BR" smtClean="0"/>
-              <a:t>09/03/2018</a:t>
+              <a:t>14/03/2018</a:t>
             </a:fld>
             <a:endParaRPr lang="pt-BR"/>
           </a:p>
@@ -2559,7 +2559,7 @@
           <a:p>
             <a:fld id="{4F2C62AD-31D4-4417-853C-E77168BA2A0A}" type="datetimeFigureOut">
               <a:rPr lang="pt-BR" smtClean="0"/>
-              <a:t>09/03/2018</a:t>
+              <a:t>14/03/2018</a:t>
             </a:fld>
             <a:endParaRPr lang="pt-BR"/>
           </a:p>
@@ -2816,7 +2816,7 @@
           <a:p>
             <a:fld id="{4F2C62AD-31D4-4417-853C-E77168BA2A0A}" type="datetimeFigureOut">
               <a:rPr lang="pt-BR" smtClean="0"/>
-              <a:t>09/03/2018</a:t>
+              <a:t>14/03/2018</a:t>
             </a:fld>
             <a:endParaRPr lang="pt-BR"/>
           </a:p>
@@ -3029,7 +3029,7 @@
           <a:p>
             <a:fld id="{4F2C62AD-31D4-4417-853C-E77168BA2A0A}" type="datetimeFigureOut">
               <a:rPr lang="pt-BR" smtClean="0"/>
-              <a:t>09/03/2018</a:t>
+              <a:t>14/03/2018</a:t>
             </a:fld>
             <a:endParaRPr lang="pt-BR"/>
           </a:p>
@@ -5771,7 +5771,7 @@
       </p:grpSpPr>
       <p:sp>
         <p:nvSpPr>
-          <p:cNvPr id="2" name="Título 1"/>
+          <p:cNvPr id="5" name="Título 4"/>
           <p:cNvSpPr>
             <a:spLocks noGrp="1"/>
           </p:cNvSpPr>
@@ -5779,7 +5779,12 @@
             <p:ph type="title"/>
           </p:nvPr>
         </p:nvSpPr>
-        <p:spPr/>
+        <p:spPr>
+          <a:xfrm>
+            <a:off x="838200" y="281042"/>
+            <a:ext cx="10515600" cy="1325563"/>
+          </a:xfrm>
+        </p:spPr>
         <p:txBody>
           <a:bodyPr/>
           <a:lstStyle/>
@@ -5790,7 +5795,7 @@
             </a:r>
             <a:r>
               <a:rPr lang="pt-BR" b="1" dirty="0" err="1"/>
-              <a:t>Strategy</a:t>
+              <a:t>Observer</a:t>
             </a:r>
             <a:endParaRPr lang="pt-BR" b="1" dirty="0"/>
           </a:p>
@@ -5798,7 +5803,7 @@
       </p:sp>
       <p:sp>
         <p:nvSpPr>
-          <p:cNvPr id="3" name="Espaço Reservado para Conteúdo 2"/>
+          <p:cNvPr id="6" name="Espaço Reservado para Conteúdo 5"/>
           <p:cNvSpPr>
             <a:spLocks noGrp="1"/>
           </p:cNvSpPr>
@@ -5813,11 +5818,8 @@
           <a:p>
             <a:r>
               <a:rPr lang="pt-BR" dirty="0"/>
-              <a:t>Contexto: deseja-se armazenar a lógica que uma certa classe deve usar para resolver um problema porque esta pode ter variações.</a:t>
-            </a:r>
-          </a:p>
-          <a:p>
-            <a:endParaRPr lang="pt-BR" dirty="0"/>
+              <a:t>Contexto: uma serie de elementos (observadores) precisam ser notificados sempre que uma determinada fonte de dados ou informação (observado) for alterada. Essa fonte de dados, entretanto, não deve ser dependente nem da quantidade nem dos diferentes tipos dos elementos que devem ser notificados.</a:t>
+            </a:r>
           </a:p>
           <a:p>
             <a:r>
@@ -5829,21 +5831,30 @@
             <a:pPr lvl="1"/>
             <a:r>
               <a:rPr lang="pt-BR" dirty="0"/>
-              <a:t>Cria-se uma interface que abstrai os principais passos do algoritmo</a:t>
+              <a:t>Cria-se uma interface (</a:t>
+            </a:r>
+            <a:r>
+              <a:rPr lang="pt-BR" dirty="0" err="1"/>
+              <a:t>observer</a:t>
+            </a:r>
+            <a:r>
+              <a:rPr lang="pt-BR" dirty="0"/>
+              <a:t>) padrão através da qual todos os observadores podem ser notificados</a:t>
             </a:r>
           </a:p>
           <a:p>
             <a:pPr lvl="1"/>
             <a:r>
               <a:rPr lang="pt-BR" dirty="0"/>
-              <a:t>Implementa-se uma ou mais variações para o algoritmo que implementam a interface definida</a:t>
-            </a:r>
-          </a:p>
-          <a:p>
-            <a:pPr lvl="1"/>
+              <a:t>O “observado” mantém uma lista de “</a:t>
+            </a:r>
+            <a:r>
+              <a:rPr lang="pt-BR" dirty="0" err="1"/>
+              <a:t>observers</a:t>
+            </a:r>
             <a:r>
               <a:rPr lang="pt-BR" dirty="0"/>
-              <a:t>Armazena-se, na classe que se utiliza da lógica, uma referência do tipo da interface definida</a:t>
+              <a:t>” que serão notificados sempre que o observado for notificado.</a:t>
             </a:r>
           </a:p>
         </p:txBody>
@@ -5851,7 +5862,7 @@
     </p:spTree>
     <p:extLst>
       <p:ext uri="{BB962C8B-B14F-4D97-AF65-F5344CB8AC3E}">
-        <p14:creationId xmlns:p14="http://schemas.microsoft.com/office/powerpoint/2010/main" val="3826552371"/>
+        <p14:creationId xmlns:p14="http://schemas.microsoft.com/office/powerpoint/2010/main" val="643348371"/>
       </p:ext>
     </p:extLst>
   </p:cSld>
@@ -5895,6 +5906,303 @@
           <a:p>
             <a:r>
               <a:rPr lang="pt-BR" dirty="0"/>
+              <a:t>Exemplo: agencia de noticias</a:t>
+            </a:r>
+          </a:p>
+        </p:txBody>
+      </p:sp>
+      <p:sp>
+        <p:nvSpPr>
+          <p:cNvPr id="3" name="Espaço Reservado para Conteúdo 2"/>
+          <p:cNvSpPr>
+            <a:spLocks noGrp="1"/>
+          </p:cNvSpPr>
+          <p:nvPr>
+            <p:ph idx="1"/>
+          </p:nvPr>
+        </p:nvSpPr>
+        <p:spPr/>
+        <p:txBody>
+          <a:bodyPr/>
+          <a:lstStyle/>
+          <a:p>
+            <a:r>
+              <a:rPr lang="pt-BR" dirty="0"/>
+              <a:t>Uma classe modela uma agencia de noticias. Noticias são registradas na agencia que mantém a lista das últimas noticias.</a:t>
+            </a:r>
+          </a:p>
+          <a:p>
+            <a:r>
+              <a:rPr lang="pt-BR" dirty="0"/>
+              <a:t>Toda a vez que uma nova noticia é registrada, todos os assinantes são notificados de maneira que podem buscar a última noticia se for de seu interesse.</a:t>
+            </a:r>
+          </a:p>
+        </p:txBody>
+      </p:sp>
+    </p:spTree>
+    <p:extLst>
+      <p:ext uri="{BB962C8B-B14F-4D97-AF65-F5344CB8AC3E}">
+        <p14:creationId xmlns:p14="http://schemas.microsoft.com/office/powerpoint/2010/main" val="1850409115"/>
+      </p:ext>
+    </p:extLst>
+  </p:cSld>
+  <p:clrMapOvr>
+    <a:masterClrMapping/>
+  </p:clrMapOvr>
+</p:sld>
+</file>
+
+<file path=ppt/slides/slide16.xml><?xml version="1.0" encoding="utf-8"?>
+<p:sld xmlns:a="http://schemas.openxmlformats.org/drawingml/2006/main" xmlns:r="http://schemas.openxmlformats.org/officeDocument/2006/relationships" xmlns:p="http://schemas.openxmlformats.org/presentationml/2006/main">
+  <p:cSld>
+    <p:spTree>
+      <p:nvGrpSpPr>
+        <p:cNvPr id="1" name=""/>
+        <p:cNvGrpSpPr/>
+        <p:nvPr/>
+      </p:nvGrpSpPr>
+      <p:grpSpPr>
+        <a:xfrm>
+          <a:off x="0" y="0"/>
+          <a:ext cx="0" cy="0"/>
+          <a:chOff x="0" y="0"/>
+          <a:chExt cx="0" cy="0"/>
+        </a:xfrm>
+      </p:grpSpPr>
+      <p:sp>
+        <p:nvSpPr>
+          <p:cNvPr id="2" name="Título 1"/>
+          <p:cNvSpPr>
+            <a:spLocks noGrp="1"/>
+          </p:cNvSpPr>
+          <p:nvPr>
+            <p:ph type="title"/>
+          </p:nvPr>
+        </p:nvSpPr>
+        <p:spPr/>
+        <p:txBody>
+          <a:bodyPr/>
+          <a:lstStyle/>
+          <a:p>
+            <a:r>
+              <a:rPr lang="pt-BR" dirty="0"/>
+              <a:t>Implementação da agencia de noticias</a:t>
+            </a:r>
+          </a:p>
+        </p:txBody>
+      </p:sp>
+      <p:sp>
+        <p:nvSpPr>
+          <p:cNvPr id="4" name="Espaço Reservado para Conteúdo 3"/>
+          <p:cNvSpPr>
+            <a:spLocks noGrp="1"/>
+          </p:cNvSpPr>
+          <p:nvPr>
+            <p:ph sz="half" idx="1"/>
+          </p:nvPr>
+        </p:nvSpPr>
+        <p:spPr/>
+        <p:txBody>
+          <a:bodyPr>
+            <a:normAutofit lnSpcReduction="10000"/>
+          </a:bodyPr>
+          <a:lstStyle/>
+          <a:p>
+            <a:r>
+              <a:rPr lang="pt-BR" dirty="0"/>
+              <a:t>Observe como não existe dependência entre a agencia de noticias (observado) e os diferentes tipos de assinantes (observadores).</a:t>
+            </a:r>
+          </a:p>
+          <a:p>
+            <a:r>
+              <a:rPr lang="pt-BR" dirty="0"/>
+              <a:t>Dessa maneira é possível conectar novos assinantes e novos tipos de assinantes na agencia de noticias e todos serão notificados toda a vez que uma nova noticia for registrada.</a:t>
+            </a:r>
+          </a:p>
+        </p:txBody>
+      </p:sp>
+      <p:pic>
+        <p:nvPicPr>
+          <p:cNvPr id="5" name="Espaço Reservado para Conteúdo 4"/>
+          <p:cNvPicPr>
+            <a:picLocks noGrp="1" noChangeAspect="1"/>
+          </p:cNvPicPr>
+          <p:nvPr>
+            <p:ph sz="half" idx="2"/>
+          </p:nvPr>
+        </p:nvPicPr>
+        <p:blipFill>
+          <a:blip r:embed="rId2"/>
+          <a:stretch>
+            <a:fillRect/>
+          </a:stretch>
+        </p:blipFill>
+        <p:spPr>
+          <a:xfrm>
+            <a:off x="6172200" y="2603021"/>
+            <a:ext cx="5181600" cy="2796545"/>
+          </a:xfrm>
+          <a:prstGeom prst="rect">
+            <a:avLst/>
+          </a:prstGeom>
+        </p:spPr>
+      </p:pic>
+    </p:spTree>
+    <p:extLst>
+      <p:ext uri="{BB962C8B-B14F-4D97-AF65-F5344CB8AC3E}">
+        <p14:creationId xmlns:p14="http://schemas.microsoft.com/office/powerpoint/2010/main" val="2095291018"/>
+      </p:ext>
+    </p:extLst>
+  </p:cSld>
+  <p:clrMapOvr>
+    <a:masterClrMapping/>
+  </p:clrMapOvr>
+</p:sld>
+</file>
+
+<file path=ppt/slides/slide17.xml><?xml version="1.0" encoding="utf-8"?>
+<p:sld xmlns:a="http://schemas.openxmlformats.org/drawingml/2006/main" xmlns:r="http://schemas.openxmlformats.org/officeDocument/2006/relationships" xmlns:p="http://schemas.openxmlformats.org/presentationml/2006/main">
+  <p:cSld>
+    <p:spTree>
+      <p:nvGrpSpPr>
+        <p:cNvPr id="1" name=""/>
+        <p:cNvGrpSpPr/>
+        <p:nvPr/>
+      </p:nvGrpSpPr>
+      <p:grpSpPr>
+        <a:xfrm>
+          <a:off x="0" y="0"/>
+          <a:ext cx="0" cy="0"/>
+          <a:chOff x="0" y="0"/>
+          <a:chExt cx="0" cy="0"/>
+        </a:xfrm>
+      </p:grpSpPr>
+      <p:sp>
+        <p:nvSpPr>
+          <p:cNvPr id="2" name="Título 1"/>
+          <p:cNvSpPr>
+            <a:spLocks noGrp="1"/>
+          </p:cNvSpPr>
+          <p:nvPr>
+            <p:ph type="title"/>
+          </p:nvPr>
+        </p:nvSpPr>
+        <p:spPr/>
+        <p:txBody>
+          <a:bodyPr/>
+          <a:lstStyle/>
+          <a:p>
+            <a:r>
+              <a:rPr lang="pt-BR" b="1" dirty="0"/>
+              <a:t>Padrão </a:t>
+            </a:r>
+            <a:r>
+              <a:rPr lang="pt-BR" b="1" dirty="0" err="1"/>
+              <a:t>Strategy</a:t>
+            </a:r>
+            <a:endParaRPr lang="pt-BR" b="1" dirty="0"/>
+          </a:p>
+        </p:txBody>
+      </p:sp>
+      <p:sp>
+        <p:nvSpPr>
+          <p:cNvPr id="3" name="Espaço Reservado para Conteúdo 2"/>
+          <p:cNvSpPr>
+            <a:spLocks noGrp="1"/>
+          </p:cNvSpPr>
+          <p:nvPr>
+            <p:ph idx="1"/>
+          </p:nvPr>
+        </p:nvSpPr>
+        <p:spPr/>
+        <p:txBody>
+          <a:bodyPr/>
+          <a:lstStyle/>
+          <a:p>
+            <a:r>
+              <a:rPr lang="pt-BR" dirty="0"/>
+              <a:t>Contexto: deseja-se armazenar a lógica que uma certa classe deve usar para resolver um problema porque esta pode ter variações.</a:t>
+            </a:r>
+          </a:p>
+          <a:p>
+            <a:endParaRPr lang="pt-BR" dirty="0"/>
+          </a:p>
+          <a:p>
+            <a:r>
+              <a:rPr lang="pt-BR" dirty="0"/>
+              <a:t>Solução:</a:t>
+            </a:r>
+          </a:p>
+          <a:p>
+            <a:pPr lvl="1"/>
+            <a:r>
+              <a:rPr lang="pt-BR" dirty="0"/>
+              <a:t>Cria-se uma interface que abstrai os principais passos do algoritmo</a:t>
+            </a:r>
+          </a:p>
+          <a:p>
+            <a:pPr lvl="1"/>
+            <a:r>
+              <a:rPr lang="pt-BR" dirty="0"/>
+              <a:t>Implementa-se uma ou mais variações para o algoritmo que implementam a interface definida</a:t>
+            </a:r>
+          </a:p>
+          <a:p>
+            <a:pPr lvl="1"/>
+            <a:r>
+              <a:rPr lang="pt-BR" dirty="0"/>
+              <a:t>Armazena-se, na classe que se utiliza da lógica, uma referência do tipo da interface definida</a:t>
+            </a:r>
+          </a:p>
+        </p:txBody>
+      </p:sp>
+    </p:spTree>
+    <p:extLst>
+      <p:ext uri="{BB962C8B-B14F-4D97-AF65-F5344CB8AC3E}">
+        <p14:creationId xmlns:p14="http://schemas.microsoft.com/office/powerpoint/2010/main" val="3826552371"/>
+      </p:ext>
+    </p:extLst>
+  </p:cSld>
+  <p:clrMapOvr>
+    <a:masterClrMapping/>
+  </p:clrMapOvr>
+</p:sld>
+</file>
+
+<file path=ppt/slides/slide18.xml><?xml version="1.0" encoding="utf-8"?>
+<p:sld xmlns:a="http://schemas.openxmlformats.org/drawingml/2006/main" xmlns:r="http://schemas.openxmlformats.org/officeDocument/2006/relationships" xmlns:p="http://schemas.openxmlformats.org/presentationml/2006/main">
+  <p:cSld>
+    <p:spTree>
+      <p:nvGrpSpPr>
+        <p:cNvPr id="1" name=""/>
+        <p:cNvGrpSpPr/>
+        <p:nvPr/>
+      </p:nvGrpSpPr>
+      <p:grpSpPr>
+        <a:xfrm>
+          <a:off x="0" y="0"/>
+          <a:ext cx="0" cy="0"/>
+          <a:chOff x="0" y="0"/>
+          <a:chExt cx="0" cy="0"/>
+        </a:xfrm>
+      </p:grpSpPr>
+      <p:sp>
+        <p:nvSpPr>
+          <p:cNvPr id="2" name="Título 1"/>
+          <p:cNvSpPr>
+            <a:spLocks noGrp="1"/>
+          </p:cNvSpPr>
+          <p:nvPr>
+            <p:ph type="title"/>
+          </p:nvPr>
+        </p:nvSpPr>
+        <p:spPr/>
+        <p:txBody>
+          <a:bodyPr/>
+          <a:lstStyle/>
+          <a:p>
+            <a:r>
+              <a:rPr lang="pt-BR" dirty="0"/>
               <a:t>Exemplo: classe “Serie” </a:t>
             </a:r>
           </a:p>
@@ -6033,7 +6341,7 @@
 </p:sld>
 </file>
 
-<file path=ppt/slides/slide16.xml><?xml version="1.0" encoding="utf-8"?>
+<file path=ppt/slides/slide19.xml><?xml version="1.0" encoding="utf-8"?>
 <p:sld xmlns:a="http://schemas.openxmlformats.org/drawingml/2006/main" xmlns:r="http://schemas.openxmlformats.org/officeDocument/2006/relationships" xmlns:p="http://schemas.openxmlformats.org/presentationml/2006/main">
   <p:cSld>
     <p:spTree>
@@ -6171,314 +6479,6 @@
     <p:extLst>
       <p:ext uri="{BB962C8B-B14F-4D97-AF65-F5344CB8AC3E}">
         <p14:creationId xmlns:p14="http://schemas.microsoft.com/office/powerpoint/2010/main" val="4159337810"/>
-      </p:ext>
-    </p:extLst>
-  </p:cSld>
-  <p:clrMapOvr>
-    <a:masterClrMapping/>
-  </p:clrMapOvr>
-</p:sld>
-</file>
-
-<file path=ppt/slides/slide17.xml><?xml version="1.0" encoding="utf-8"?>
-<p:sld xmlns:a="http://schemas.openxmlformats.org/drawingml/2006/main" xmlns:r="http://schemas.openxmlformats.org/officeDocument/2006/relationships" xmlns:p="http://schemas.openxmlformats.org/presentationml/2006/main">
-  <p:cSld>
-    <p:spTree>
-      <p:nvGrpSpPr>
-        <p:cNvPr id="1" name=""/>
-        <p:cNvGrpSpPr/>
-        <p:nvPr/>
-      </p:nvGrpSpPr>
-      <p:grpSpPr>
-        <a:xfrm>
-          <a:off x="0" y="0"/>
-          <a:ext cx="0" cy="0"/>
-          <a:chOff x="0" y="0"/>
-          <a:chExt cx="0" cy="0"/>
-        </a:xfrm>
-      </p:grpSpPr>
-      <p:sp>
-        <p:nvSpPr>
-          <p:cNvPr id="5" name="Título 4"/>
-          <p:cNvSpPr>
-            <a:spLocks noGrp="1"/>
-          </p:cNvSpPr>
-          <p:nvPr>
-            <p:ph type="title"/>
-          </p:nvPr>
-        </p:nvSpPr>
-        <p:spPr>
-          <a:xfrm>
-            <a:off x="838200" y="281042"/>
-            <a:ext cx="10515600" cy="1325563"/>
-          </a:xfrm>
-        </p:spPr>
-        <p:txBody>
-          <a:bodyPr/>
-          <a:lstStyle/>
-          <a:p>
-            <a:r>
-              <a:rPr lang="pt-BR" b="1" dirty="0"/>
-              <a:t>Padrão </a:t>
-            </a:r>
-            <a:r>
-              <a:rPr lang="pt-BR" b="1" dirty="0" err="1"/>
-              <a:t>Observer</a:t>
-            </a:r>
-            <a:endParaRPr lang="pt-BR" b="1" dirty="0"/>
-          </a:p>
-        </p:txBody>
-      </p:sp>
-      <p:sp>
-        <p:nvSpPr>
-          <p:cNvPr id="6" name="Espaço Reservado para Conteúdo 5"/>
-          <p:cNvSpPr>
-            <a:spLocks noGrp="1"/>
-          </p:cNvSpPr>
-          <p:nvPr>
-            <p:ph idx="1"/>
-          </p:nvPr>
-        </p:nvSpPr>
-        <p:spPr/>
-        <p:txBody>
-          <a:bodyPr/>
-          <a:lstStyle/>
-          <a:p>
-            <a:r>
-              <a:rPr lang="pt-BR" dirty="0"/>
-              <a:t>Contexto: uma serie de elementos (observadores) precisam ser notificados sempre que uma determinada fonte de dados ou informação (observado) for alterada. Essa fonte de dados, entretanto, não deve ser dependente nem da quantidade nem dos diferentes tipos dos elementos que devem ser notificados.</a:t>
-            </a:r>
-          </a:p>
-          <a:p>
-            <a:r>
-              <a:rPr lang="pt-BR" dirty="0"/>
-              <a:t>Solução:</a:t>
-            </a:r>
-          </a:p>
-          <a:p>
-            <a:pPr lvl="1"/>
-            <a:r>
-              <a:rPr lang="pt-BR" dirty="0"/>
-              <a:t>Cria-se uma interface (</a:t>
-            </a:r>
-            <a:r>
-              <a:rPr lang="pt-BR" dirty="0" err="1"/>
-              <a:t>observer</a:t>
-            </a:r>
-            <a:r>
-              <a:rPr lang="pt-BR" dirty="0"/>
-              <a:t>) padrão através da qual todos os observadores podem ser notificados</a:t>
-            </a:r>
-          </a:p>
-          <a:p>
-            <a:pPr lvl="1"/>
-            <a:r>
-              <a:rPr lang="pt-BR" dirty="0"/>
-              <a:t>O “observado” mantém uma lista de “</a:t>
-            </a:r>
-            <a:r>
-              <a:rPr lang="pt-BR" dirty="0" err="1"/>
-              <a:t>observers</a:t>
-            </a:r>
-            <a:r>
-              <a:rPr lang="pt-BR" dirty="0"/>
-              <a:t>” que serão notificados sempre que o observado for notificado.</a:t>
-            </a:r>
-          </a:p>
-        </p:txBody>
-      </p:sp>
-    </p:spTree>
-    <p:extLst>
-      <p:ext uri="{BB962C8B-B14F-4D97-AF65-F5344CB8AC3E}">
-        <p14:creationId xmlns:p14="http://schemas.microsoft.com/office/powerpoint/2010/main" val="65543789"/>
-      </p:ext>
-    </p:extLst>
-  </p:cSld>
-  <p:clrMapOvr>
-    <a:masterClrMapping/>
-  </p:clrMapOvr>
-</p:sld>
-</file>
-
-<file path=ppt/slides/slide18.xml><?xml version="1.0" encoding="utf-8"?>
-<p:sld xmlns:a="http://schemas.openxmlformats.org/drawingml/2006/main" xmlns:r="http://schemas.openxmlformats.org/officeDocument/2006/relationships" xmlns:p="http://schemas.openxmlformats.org/presentationml/2006/main">
-  <p:cSld>
-    <p:spTree>
-      <p:nvGrpSpPr>
-        <p:cNvPr id="1" name=""/>
-        <p:cNvGrpSpPr/>
-        <p:nvPr/>
-      </p:nvGrpSpPr>
-      <p:grpSpPr>
-        <a:xfrm>
-          <a:off x="0" y="0"/>
-          <a:ext cx="0" cy="0"/>
-          <a:chOff x="0" y="0"/>
-          <a:chExt cx="0" cy="0"/>
-        </a:xfrm>
-      </p:grpSpPr>
-      <p:sp>
-        <p:nvSpPr>
-          <p:cNvPr id="2" name="Título 1"/>
-          <p:cNvSpPr>
-            <a:spLocks noGrp="1"/>
-          </p:cNvSpPr>
-          <p:nvPr>
-            <p:ph type="title"/>
-          </p:nvPr>
-        </p:nvSpPr>
-        <p:spPr/>
-        <p:txBody>
-          <a:bodyPr/>
-          <a:lstStyle/>
-          <a:p>
-            <a:r>
-              <a:rPr lang="pt-BR" dirty="0"/>
-              <a:t>Exemplo: agencia de noticias</a:t>
-            </a:r>
-          </a:p>
-        </p:txBody>
-      </p:sp>
-      <p:sp>
-        <p:nvSpPr>
-          <p:cNvPr id="3" name="Espaço Reservado para Conteúdo 2"/>
-          <p:cNvSpPr>
-            <a:spLocks noGrp="1"/>
-          </p:cNvSpPr>
-          <p:nvPr>
-            <p:ph idx="1"/>
-          </p:nvPr>
-        </p:nvSpPr>
-        <p:spPr/>
-        <p:txBody>
-          <a:bodyPr/>
-          <a:lstStyle/>
-          <a:p>
-            <a:r>
-              <a:rPr lang="pt-BR" dirty="0"/>
-              <a:t>Uma classe modela uma agencia de noticias. Noticias são registradas na agencia que mantém a lista das últimas noticias.</a:t>
-            </a:r>
-          </a:p>
-          <a:p>
-            <a:r>
-              <a:rPr lang="pt-BR" dirty="0"/>
-              <a:t>Toda a vez que uma nova noticia é registrada, todos os assinantes são notificados de maneira que podem buscar a última noticia se for de seu interesse.</a:t>
-            </a:r>
-          </a:p>
-        </p:txBody>
-      </p:sp>
-    </p:spTree>
-    <p:extLst>
-      <p:ext uri="{BB962C8B-B14F-4D97-AF65-F5344CB8AC3E}">
-        <p14:creationId xmlns:p14="http://schemas.microsoft.com/office/powerpoint/2010/main" val="2687627158"/>
-      </p:ext>
-    </p:extLst>
-  </p:cSld>
-  <p:clrMapOvr>
-    <a:masterClrMapping/>
-  </p:clrMapOvr>
-</p:sld>
-</file>
-
-<file path=ppt/slides/slide19.xml><?xml version="1.0" encoding="utf-8"?>
-<p:sld xmlns:a="http://schemas.openxmlformats.org/drawingml/2006/main" xmlns:r="http://schemas.openxmlformats.org/officeDocument/2006/relationships" xmlns:p="http://schemas.openxmlformats.org/presentationml/2006/main">
-  <p:cSld>
-    <p:spTree>
-      <p:nvGrpSpPr>
-        <p:cNvPr id="1" name=""/>
-        <p:cNvGrpSpPr/>
-        <p:nvPr/>
-      </p:nvGrpSpPr>
-      <p:grpSpPr>
-        <a:xfrm>
-          <a:off x="0" y="0"/>
-          <a:ext cx="0" cy="0"/>
-          <a:chOff x="0" y="0"/>
-          <a:chExt cx="0" cy="0"/>
-        </a:xfrm>
-      </p:grpSpPr>
-      <p:sp>
-        <p:nvSpPr>
-          <p:cNvPr id="2" name="Título 1"/>
-          <p:cNvSpPr>
-            <a:spLocks noGrp="1"/>
-          </p:cNvSpPr>
-          <p:nvPr>
-            <p:ph type="title"/>
-          </p:nvPr>
-        </p:nvSpPr>
-        <p:spPr/>
-        <p:txBody>
-          <a:bodyPr/>
-          <a:lstStyle/>
-          <a:p>
-            <a:r>
-              <a:rPr lang="pt-BR" dirty="0"/>
-              <a:t>Implementação da agencia de noticias</a:t>
-            </a:r>
-          </a:p>
-        </p:txBody>
-      </p:sp>
-      <p:sp>
-        <p:nvSpPr>
-          <p:cNvPr id="4" name="Espaço Reservado para Conteúdo 3"/>
-          <p:cNvSpPr>
-            <a:spLocks noGrp="1"/>
-          </p:cNvSpPr>
-          <p:nvPr>
-            <p:ph sz="half" idx="1"/>
-          </p:nvPr>
-        </p:nvSpPr>
-        <p:spPr/>
-        <p:txBody>
-          <a:bodyPr>
-            <a:normAutofit lnSpcReduction="10000"/>
-          </a:bodyPr>
-          <a:lstStyle/>
-          <a:p>
-            <a:r>
-              <a:rPr lang="pt-BR" dirty="0"/>
-              <a:t>Observe como não existe dependência entre a agencia de noticias (observado) e os diferentes tipos de assinantes (observadores).</a:t>
-            </a:r>
-          </a:p>
-          <a:p>
-            <a:r>
-              <a:rPr lang="pt-BR" dirty="0"/>
-              <a:t>Dessa maneira é possível conectar novos assinantes e novos tipos de assinantes na agencia de noticias e todos serão notificados toda a vez que uma nova noticia for registrada.</a:t>
-            </a:r>
-          </a:p>
-        </p:txBody>
-      </p:sp>
-      <p:pic>
-        <p:nvPicPr>
-          <p:cNvPr id="5" name="Espaço Reservado para Conteúdo 4"/>
-          <p:cNvPicPr>
-            <a:picLocks noGrp="1" noChangeAspect="1"/>
-          </p:cNvPicPr>
-          <p:nvPr>
-            <p:ph sz="half" idx="2"/>
-          </p:nvPr>
-        </p:nvPicPr>
-        <p:blipFill>
-          <a:blip r:embed="rId2"/>
-          <a:stretch>
-            <a:fillRect/>
-          </a:stretch>
-        </p:blipFill>
-        <p:spPr>
-          <a:xfrm>
-            <a:off x="6172200" y="2603021"/>
-            <a:ext cx="5181600" cy="2796545"/>
-          </a:xfrm>
-          <a:prstGeom prst="rect">
-            <a:avLst/>
-          </a:prstGeom>
-        </p:spPr>
-      </p:pic>
-    </p:spTree>
-    <p:extLst>
-      <p:ext uri="{BB962C8B-B14F-4D97-AF65-F5344CB8AC3E}">
-        <p14:creationId xmlns:p14="http://schemas.microsoft.com/office/powerpoint/2010/main" val="895900427"/>
       </p:ext>
     </p:extLst>
   </p:cSld>
@@ -15945,6 +15945,13 @@
             <a:endParaRPr lang="pt-BR" dirty="0"/>
           </a:p>
           <a:p>
+            <a:r>
+              <a:rPr lang="pt-BR" dirty="0" err="1"/>
+              <a:t>Observer</a:t>
+            </a:r>
+            <a:endParaRPr lang="pt-BR" dirty="0"/>
+          </a:p>
+          <a:p>
             <a:endParaRPr lang="pt-BR" dirty="0"/>
           </a:p>
           <a:p>
@@ -15965,13 +15972,6 @@
               <a:rPr lang="pt-BR" dirty="0"/>
               <a:t> </a:t>
             </a:r>
-          </a:p>
-          <a:p>
-            <a:r>
-              <a:rPr lang="pt-BR" dirty="0" err="1"/>
-              <a:t>Observer</a:t>
-            </a:r>
-            <a:endParaRPr lang="pt-BR" dirty="0"/>
           </a:p>
           <a:p>
             <a:r>
@@ -16946,7 +16946,7 @@
             </a:r>
             <a:r>
               <a:rPr lang="pt-BR" dirty="0"/>
-              <a:t> possui toda a lógica comum independente de estado e utilizado um objeto </a:t>
+              <a:t> possui toda a lógica comum independente de estado e utiliza um objeto </a:t>
             </a:r>
             <a:r>
               <a:rPr lang="pt-BR" b="1" dirty="0"/>
